--- a/documents/Maquettage du site.pptx
+++ b/documents/Maquettage du site.pptx
@@ -273,7 +273,7 @@
               <a:rPr lang="fr-FR" smtClean="0"/>
               <a:t>20/12/2019</a:t>
             </a:fld>
-            <a:endParaRPr lang="fr-FR"/>
+            <a:endParaRPr lang="fr-FR" dirty="0"/>
           </a:p>
         </p:txBody>
       </p:sp>
@@ -298,7 +298,7 @@
           <a:bodyPr/>
           <a:lstStyle/>
           <a:p>
-            <a:endParaRPr lang="fr-FR"/>
+            <a:endParaRPr lang="fr-FR" dirty="0"/>
           </a:p>
         </p:txBody>
       </p:sp>
@@ -327,7 +327,7 @@
               <a:rPr lang="fr-FR" smtClean="0"/>
               <a:t>‹N°›</a:t>
             </a:fld>
-            <a:endParaRPr lang="fr-FR"/>
+            <a:endParaRPr lang="fr-FR" dirty="0"/>
           </a:p>
         </p:txBody>
       </p:sp>
@@ -471,7 +471,7 @@
               <a:rPr lang="fr-FR" smtClean="0"/>
               <a:t>20/12/2019</a:t>
             </a:fld>
-            <a:endParaRPr lang="fr-FR"/>
+            <a:endParaRPr lang="fr-FR" dirty="0"/>
           </a:p>
         </p:txBody>
       </p:sp>
@@ -496,7 +496,7 @@
           <a:bodyPr/>
           <a:lstStyle/>
           <a:p>
-            <a:endParaRPr lang="fr-FR"/>
+            <a:endParaRPr lang="fr-FR" dirty="0"/>
           </a:p>
         </p:txBody>
       </p:sp>
@@ -525,7 +525,7 @@
               <a:rPr lang="fr-FR" smtClean="0"/>
               <a:t>‹N°›</a:t>
             </a:fld>
-            <a:endParaRPr lang="fr-FR"/>
+            <a:endParaRPr lang="fr-FR" dirty="0"/>
           </a:p>
         </p:txBody>
       </p:sp>
@@ -679,7 +679,7 @@
               <a:rPr lang="fr-FR" smtClean="0"/>
               <a:t>20/12/2019</a:t>
             </a:fld>
-            <a:endParaRPr lang="fr-FR"/>
+            <a:endParaRPr lang="fr-FR" dirty="0"/>
           </a:p>
         </p:txBody>
       </p:sp>
@@ -704,7 +704,7 @@
           <a:bodyPr/>
           <a:lstStyle/>
           <a:p>
-            <a:endParaRPr lang="fr-FR"/>
+            <a:endParaRPr lang="fr-FR" dirty="0"/>
           </a:p>
         </p:txBody>
       </p:sp>
@@ -733,7 +733,7 @@
               <a:rPr lang="fr-FR" smtClean="0"/>
               <a:t>‹N°›</a:t>
             </a:fld>
-            <a:endParaRPr lang="fr-FR"/>
+            <a:endParaRPr lang="fr-FR" dirty="0"/>
           </a:p>
         </p:txBody>
       </p:sp>
@@ -877,7 +877,7 @@
               <a:rPr lang="fr-FR" smtClean="0"/>
               <a:t>20/12/2019</a:t>
             </a:fld>
-            <a:endParaRPr lang="fr-FR"/>
+            <a:endParaRPr lang="fr-FR" dirty="0"/>
           </a:p>
         </p:txBody>
       </p:sp>
@@ -902,7 +902,7 @@
           <a:bodyPr/>
           <a:lstStyle/>
           <a:p>
-            <a:endParaRPr lang="fr-FR"/>
+            <a:endParaRPr lang="fr-FR" dirty="0"/>
           </a:p>
         </p:txBody>
       </p:sp>
@@ -931,7 +931,7 @@
               <a:rPr lang="fr-FR" smtClean="0"/>
               <a:t>‹N°›</a:t>
             </a:fld>
-            <a:endParaRPr lang="fr-FR"/>
+            <a:endParaRPr lang="fr-FR" dirty="0"/>
           </a:p>
         </p:txBody>
       </p:sp>
@@ -1152,7 +1152,7 @@
               <a:rPr lang="fr-FR" smtClean="0"/>
               <a:t>20/12/2019</a:t>
             </a:fld>
-            <a:endParaRPr lang="fr-FR"/>
+            <a:endParaRPr lang="fr-FR" dirty="0"/>
           </a:p>
         </p:txBody>
       </p:sp>
@@ -1177,7 +1177,7 @@
           <a:bodyPr/>
           <a:lstStyle/>
           <a:p>
-            <a:endParaRPr lang="fr-FR"/>
+            <a:endParaRPr lang="fr-FR" dirty="0"/>
           </a:p>
         </p:txBody>
       </p:sp>
@@ -1206,7 +1206,7 @@
               <a:rPr lang="fr-FR" smtClean="0"/>
               <a:t>‹N°›</a:t>
             </a:fld>
-            <a:endParaRPr lang="fr-FR"/>
+            <a:endParaRPr lang="fr-FR" dirty="0"/>
           </a:p>
         </p:txBody>
       </p:sp>
@@ -1417,7 +1417,7 @@
               <a:rPr lang="fr-FR" smtClean="0"/>
               <a:t>20/12/2019</a:t>
             </a:fld>
-            <a:endParaRPr lang="fr-FR"/>
+            <a:endParaRPr lang="fr-FR" dirty="0"/>
           </a:p>
         </p:txBody>
       </p:sp>
@@ -1442,7 +1442,7 @@
           <a:bodyPr/>
           <a:lstStyle/>
           <a:p>
-            <a:endParaRPr lang="fr-FR"/>
+            <a:endParaRPr lang="fr-FR" dirty="0"/>
           </a:p>
         </p:txBody>
       </p:sp>
@@ -1471,7 +1471,7 @@
               <a:rPr lang="fr-FR" smtClean="0"/>
               <a:t>‹N°›</a:t>
             </a:fld>
-            <a:endParaRPr lang="fr-FR"/>
+            <a:endParaRPr lang="fr-FR" dirty="0"/>
           </a:p>
         </p:txBody>
       </p:sp>
@@ -1829,7 +1829,7 @@
               <a:rPr lang="fr-FR" smtClean="0"/>
               <a:t>20/12/2019</a:t>
             </a:fld>
-            <a:endParaRPr lang="fr-FR"/>
+            <a:endParaRPr lang="fr-FR" dirty="0"/>
           </a:p>
         </p:txBody>
       </p:sp>
@@ -1854,7 +1854,7 @@
           <a:bodyPr/>
           <a:lstStyle/>
           <a:p>
-            <a:endParaRPr lang="fr-FR"/>
+            <a:endParaRPr lang="fr-FR" dirty="0"/>
           </a:p>
         </p:txBody>
       </p:sp>
@@ -1883,7 +1883,7 @@
               <a:rPr lang="fr-FR" smtClean="0"/>
               <a:t>‹N°›</a:t>
             </a:fld>
-            <a:endParaRPr lang="fr-FR"/>
+            <a:endParaRPr lang="fr-FR" dirty="0"/>
           </a:p>
         </p:txBody>
       </p:sp>
@@ -1970,7 +1970,7 @@
               <a:rPr lang="fr-FR" smtClean="0"/>
               <a:t>20/12/2019</a:t>
             </a:fld>
-            <a:endParaRPr lang="fr-FR"/>
+            <a:endParaRPr lang="fr-FR" dirty="0"/>
           </a:p>
         </p:txBody>
       </p:sp>
@@ -1995,7 +1995,7 @@
           <a:bodyPr/>
           <a:lstStyle/>
           <a:p>
-            <a:endParaRPr lang="fr-FR"/>
+            <a:endParaRPr lang="fr-FR" dirty="0"/>
           </a:p>
         </p:txBody>
       </p:sp>
@@ -2024,7 +2024,7 @@
               <a:rPr lang="fr-FR" smtClean="0"/>
               <a:t>‹N°›</a:t>
             </a:fld>
-            <a:endParaRPr lang="fr-FR"/>
+            <a:endParaRPr lang="fr-FR" dirty="0"/>
           </a:p>
         </p:txBody>
       </p:sp>
@@ -2083,7 +2083,7 @@
               <a:rPr lang="fr-FR" smtClean="0"/>
               <a:t>20/12/2019</a:t>
             </a:fld>
-            <a:endParaRPr lang="fr-FR"/>
+            <a:endParaRPr lang="fr-FR" dirty="0"/>
           </a:p>
         </p:txBody>
       </p:sp>
@@ -2108,7 +2108,7 @@
           <a:bodyPr/>
           <a:lstStyle/>
           <a:p>
-            <a:endParaRPr lang="fr-FR"/>
+            <a:endParaRPr lang="fr-FR" dirty="0"/>
           </a:p>
         </p:txBody>
       </p:sp>
@@ -2137,7 +2137,7 @@
               <a:rPr lang="fr-FR" smtClean="0"/>
               <a:t>‹N°›</a:t>
             </a:fld>
-            <a:endParaRPr lang="fr-FR"/>
+            <a:endParaRPr lang="fr-FR" dirty="0"/>
           </a:p>
         </p:txBody>
       </p:sp>
@@ -2394,7 +2394,7 @@
               <a:rPr lang="fr-FR" smtClean="0"/>
               <a:t>20/12/2019</a:t>
             </a:fld>
-            <a:endParaRPr lang="fr-FR"/>
+            <a:endParaRPr lang="fr-FR" dirty="0"/>
           </a:p>
         </p:txBody>
       </p:sp>
@@ -2419,7 +2419,7 @@
           <a:bodyPr/>
           <a:lstStyle/>
           <a:p>
-            <a:endParaRPr lang="fr-FR"/>
+            <a:endParaRPr lang="fr-FR" dirty="0"/>
           </a:p>
         </p:txBody>
       </p:sp>
@@ -2448,7 +2448,7 @@
               <a:rPr lang="fr-FR" smtClean="0"/>
               <a:t>‹N°›</a:t>
             </a:fld>
-            <a:endParaRPr lang="fr-FR"/>
+            <a:endParaRPr lang="fr-FR" dirty="0"/>
           </a:p>
         </p:txBody>
       </p:sp>
@@ -2582,7 +2582,7 @@
             </a:lvl9pPr>
           </a:lstStyle>
           <a:p>
-            <a:endParaRPr lang="fr-FR"/>
+            <a:endParaRPr lang="fr-FR" dirty="0"/>
           </a:p>
         </p:txBody>
       </p:sp>
@@ -2682,7 +2682,7 @@
               <a:rPr lang="fr-FR" smtClean="0"/>
               <a:t>20/12/2019</a:t>
             </a:fld>
-            <a:endParaRPr lang="fr-FR"/>
+            <a:endParaRPr lang="fr-FR" dirty="0"/>
           </a:p>
         </p:txBody>
       </p:sp>
@@ -2707,7 +2707,7 @@
           <a:bodyPr/>
           <a:lstStyle/>
           <a:p>
-            <a:endParaRPr lang="fr-FR"/>
+            <a:endParaRPr lang="fr-FR" dirty="0"/>
           </a:p>
         </p:txBody>
       </p:sp>
@@ -2736,7 +2736,7 @@
               <a:rPr lang="fr-FR" smtClean="0"/>
               <a:t>‹N°›</a:t>
             </a:fld>
-            <a:endParaRPr lang="fr-FR"/>
+            <a:endParaRPr lang="fr-FR" dirty="0"/>
           </a:p>
         </p:txBody>
       </p:sp>
@@ -2923,7 +2923,7 @@
               <a:rPr lang="fr-FR" smtClean="0"/>
               <a:t>20/12/2019</a:t>
             </a:fld>
-            <a:endParaRPr lang="fr-FR"/>
+            <a:endParaRPr lang="fr-FR" dirty="0"/>
           </a:p>
         </p:txBody>
       </p:sp>
@@ -2966,7 +2966,7 @@
             </a:lvl1pPr>
           </a:lstStyle>
           <a:p>
-            <a:endParaRPr lang="fr-FR"/>
+            <a:endParaRPr lang="fr-FR" dirty="0"/>
           </a:p>
         </p:txBody>
       </p:sp>
@@ -3013,7 +3013,7 @@
               <a:rPr lang="fr-FR" smtClean="0"/>
               <a:t>‹N°›</a:t>
             </a:fld>
-            <a:endParaRPr lang="fr-FR"/>
+            <a:endParaRPr lang="fr-FR" dirty="0"/>
           </a:p>
         </p:txBody>
       </p:sp>
@@ -3585,7 +3585,7 @@
           <a:lstStyle/>
           <a:p>
             <a:pPr algn="ctr"/>
-            <a:endParaRPr lang="fr-FR"/>
+            <a:endParaRPr lang="fr-FR" dirty="0"/>
           </a:p>
         </p:txBody>
       </p:sp>
@@ -3631,7 +3631,7 @@
           <a:lstStyle/>
           <a:p>
             <a:pPr algn="ctr"/>
-            <a:endParaRPr lang="fr-FR"/>
+            <a:endParaRPr lang="fr-FR" dirty="0"/>
           </a:p>
         </p:txBody>
       </p:sp>
@@ -3785,7 +3785,7 @@
           </a:bodyPr>
           <a:lstStyle/>
           <a:p>
-            <a:endParaRPr lang="fr-FR"/>
+            <a:endParaRPr lang="fr-FR" dirty="0"/>
           </a:p>
         </p:txBody>
       </p:sp>
@@ -3849,7 +3849,7 @@
               </a:spcAft>
             </a:pPr>
             <a:r>
-              <a:rPr lang="fr-FR" sz="1100">
+              <a:rPr lang="fr-FR" sz="1100" dirty="0">
                 <a:effectLst/>
                 <a:ea typeface="Times New Roman" panose="02020603050405020304" pitchFamily="18" charset="0"/>
                 <a:cs typeface="Times New Roman" panose="02020603050405020304" pitchFamily="18" charset="0"/>
@@ -3867,7 +3867,7 @@
               </a:spcAft>
             </a:pPr>
             <a:r>
-              <a:rPr lang="fr-FR" sz="1100">
+              <a:rPr lang="fr-FR" sz="1100" dirty="0">
                 <a:effectLst/>
                 <a:ea typeface="Times New Roman" panose="02020603050405020304" pitchFamily="18" charset="0"/>
                 <a:cs typeface="Times New Roman" panose="02020603050405020304" pitchFamily="18" charset="0"/>
@@ -3885,7 +3885,7 @@
               </a:spcAft>
             </a:pPr>
             <a:r>
-              <a:rPr lang="fr-FR" sz="1100">
+              <a:rPr lang="fr-FR" sz="1100" dirty="0">
                 <a:effectLst/>
                 <a:ea typeface="Times New Roman" panose="02020603050405020304" pitchFamily="18" charset="0"/>
                 <a:cs typeface="Times New Roman" panose="02020603050405020304" pitchFamily="18" charset="0"/>
@@ -3958,7 +3958,7 @@
               </a:spcAft>
             </a:pPr>
             <a:r>
-              <a:rPr lang="fr-FR" sz="1100">
+              <a:rPr lang="fr-FR" sz="1100" dirty="0">
                 <a:effectLst/>
                 <a:ea typeface="Times New Roman" panose="02020603050405020304" pitchFamily="18" charset="0"/>
                 <a:cs typeface="Times New Roman" panose="02020603050405020304" pitchFamily="18" charset="0"/>
@@ -4062,7 +4062,7 @@
           <a:lstStyle/>
           <a:p>
             <a:pPr algn="ctr"/>
-            <a:endParaRPr lang="fr-FR"/>
+            <a:endParaRPr lang="fr-FR" dirty="0"/>
           </a:p>
         </p:txBody>
       </p:sp>
@@ -4111,7 +4111,7 @@
           <a:lstStyle/>
           <a:p>
             <a:pPr algn="ctr"/>
-            <a:endParaRPr lang="fr-FR"/>
+            <a:endParaRPr lang="fr-FR" dirty="0"/>
           </a:p>
         </p:txBody>
       </p:sp>
@@ -4389,7 +4389,7 @@
           <a:lstStyle/>
           <a:p>
             <a:pPr algn="ctr"/>
-            <a:endParaRPr lang="fr-FR"/>
+            <a:endParaRPr lang="fr-FR" dirty="0"/>
           </a:p>
         </p:txBody>
       </p:sp>
@@ -4435,7 +4435,7 @@
           <a:lstStyle/>
           <a:p>
             <a:pPr algn="ctr"/>
-            <a:endParaRPr lang="fr-FR"/>
+            <a:endParaRPr lang="fr-FR" dirty="0"/>
           </a:p>
         </p:txBody>
       </p:sp>
@@ -4589,7 +4589,7 @@
           </a:bodyPr>
           <a:lstStyle/>
           <a:p>
-            <a:endParaRPr lang="fr-FR"/>
+            <a:endParaRPr lang="fr-FR" dirty="0"/>
           </a:p>
         </p:txBody>
       </p:sp>
@@ -4653,7 +4653,7 @@
               </a:spcAft>
             </a:pPr>
             <a:r>
-              <a:rPr lang="fr-FR" sz="1100">
+              <a:rPr lang="fr-FR" sz="1100" dirty="0">
                 <a:effectLst/>
                 <a:ea typeface="Times New Roman" panose="02020603050405020304" pitchFamily="18" charset="0"/>
                 <a:cs typeface="Times New Roman" panose="02020603050405020304" pitchFamily="18" charset="0"/>
@@ -4671,7 +4671,7 @@
               </a:spcAft>
             </a:pPr>
             <a:r>
-              <a:rPr lang="fr-FR" sz="1100">
+              <a:rPr lang="fr-FR" sz="1100" dirty="0">
                 <a:effectLst/>
                 <a:ea typeface="Times New Roman" panose="02020603050405020304" pitchFamily="18" charset="0"/>
                 <a:cs typeface="Times New Roman" panose="02020603050405020304" pitchFamily="18" charset="0"/>
@@ -4689,7 +4689,7 @@
               </a:spcAft>
             </a:pPr>
             <a:r>
-              <a:rPr lang="fr-FR" sz="1100">
+              <a:rPr lang="fr-FR" sz="1100" dirty="0">
                 <a:effectLst/>
                 <a:ea typeface="Times New Roman" panose="02020603050405020304" pitchFamily="18" charset="0"/>
                 <a:cs typeface="Times New Roman" panose="02020603050405020304" pitchFamily="18" charset="0"/>
@@ -4762,7 +4762,7 @@
               </a:spcAft>
             </a:pPr>
             <a:r>
-              <a:rPr lang="fr-FR" sz="1100">
+              <a:rPr lang="fr-FR" sz="1100" dirty="0">
                 <a:effectLst/>
                 <a:ea typeface="Times New Roman" panose="02020603050405020304" pitchFamily="18" charset="0"/>
                 <a:cs typeface="Times New Roman" panose="02020603050405020304" pitchFamily="18" charset="0"/>
@@ -4866,7 +4866,7 @@
           <a:lstStyle/>
           <a:p>
             <a:pPr algn="ctr"/>
-            <a:endParaRPr lang="fr-FR"/>
+            <a:endParaRPr lang="fr-FR" dirty="0"/>
           </a:p>
         </p:txBody>
       </p:sp>
@@ -4915,7 +4915,7 @@
           <a:lstStyle/>
           <a:p>
             <a:pPr algn="ctr"/>
-            <a:endParaRPr lang="fr-FR"/>
+            <a:endParaRPr lang="fr-FR" dirty="0"/>
           </a:p>
         </p:txBody>
       </p:sp>
@@ -5193,7 +5193,7 @@
           <a:lstStyle/>
           <a:p>
             <a:pPr algn="ctr"/>
-            <a:endParaRPr lang="fr-FR"/>
+            <a:endParaRPr lang="fr-FR" dirty="0"/>
           </a:p>
         </p:txBody>
       </p:sp>
@@ -5239,7 +5239,7 @@
           <a:lstStyle/>
           <a:p>
             <a:pPr algn="ctr"/>
-            <a:endParaRPr lang="fr-FR"/>
+            <a:endParaRPr lang="fr-FR" dirty="0"/>
           </a:p>
         </p:txBody>
       </p:sp>
@@ -5393,7 +5393,7 @@
           </a:bodyPr>
           <a:lstStyle/>
           <a:p>
-            <a:endParaRPr lang="fr-FR"/>
+            <a:endParaRPr lang="fr-FR" dirty="0"/>
           </a:p>
         </p:txBody>
       </p:sp>
@@ -5457,7 +5457,7 @@
               </a:spcAft>
             </a:pPr>
             <a:r>
-              <a:rPr lang="fr-FR" sz="1100">
+              <a:rPr lang="fr-FR" sz="1100" dirty="0">
                 <a:effectLst/>
                 <a:ea typeface="Times New Roman" panose="02020603050405020304" pitchFamily="18" charset="0"/>
                 <a:cs typeface="Times New Roman" panose="02020603050405020304" pitchFamily="18" charset="0"/>
@@ -5475,7 +5475,7 @@
               </a:spcAft>
             </a:pPr>
             <a:r>
-              <a:rPr lang="fr-FR" sz="1100">
+              <a:rPr lang="fr-FR" sz="1100" dirty="0">
                 <a:effectLst/>
                 <a:ea typeface="Times New Roman" panose="02020603050405020304" pitchFamily="18" charset="0"/>
                 <a:cs typeface="Times New Roman" panose="02020603050405020304" pitchFamily="18" charset="0"/>
@@ -5493,7 +5493,7 @@
               </a:spcAft>
             </a:pPr>
             <a:r>
-              <a:rPr lang="fr-FR" sz="1100">
+              <a:rPr lang="fr-FR" sz="1100" dirty="0">
                 <a:effectLst/>
                 <a:ea typeface="Times New Roman" panose="02020603050405020304" pitchFamily="18" charset="0"/>
                 <a:cs typeface="Times New Roman" panose="02020603050405020304" pitchFamily="18" charset="0"/>
@@ -5566,7 +5566,7 @@
               </a:spcAft>
             </a:pPr>
             <a:r>
-              <a:rPr lang="fr-FR" sz="1100">
+              <a:rPr lang="fr-FR" sz="1100" dirty="0">
                 <a:effectLst/>
                 <a:ea typeface="Times New Roman" panose="02020603050405020304" pitchFamily="18" charset="0"/>
                 <a:cs typeface="Times New Roman" panose="02020603050405020304" pitchFamily="18" charset="0"/>
@@ -5670,7 +5670,7 @@
           <a:lstStyle/>
           <a:p>
             <a:pPr algn="ctr"/>
-            <a:endParaRPr lang="fr-FR"/>
+            <a:endParaRPr lang="fr-FR" dirty="0"/>
           </a:p>
         </p:txBody>
       </p:sp>
@@ -5719,7 +5719,7 @@
           <a:lstStyle/>
           <a:p>
             <a:pPr algn="ctr"/>
-            <a:endParaRPr lang="fr-FR"/>
+            <a:endParaRPr lang="fr-FR" dirty="0"/>
           </a:p>
         </p:txBody>
       </p:sp>
@@ -5997,7 +5997,7 @@
           <a:lstStyle/>
           <a:p>
             <a:pPr algn="ctr"/>
-            <a:endParaRPr lang="fr-FR"/>
+            <a:endParaRPr lang="fr-FR" dirty="0"/>
           </a:p>
         </p:txBody>
       </p:sp>
@@ -6043,7 +6043,7 @@
           <a:lstStyle/>
           <a:p>
             <a:pPr algn="ctr"/>
-            <a:endParaRPr lang="fr-FR"/>
+            <a:endParaRPr lang="fr-FR" dirty="0"/>
           </a:p>
         </p:txBody>
       </p:sp>
@@ -6197,7 +6197,7 @@
           </a:bodyPr>
           <a:lstStyle/>
           <a:p>
-            <a:endParaRPr lang="fr-FR"/>
+            <a:endParaRPr lang="fr-FR" dirty="0"/>
           </a:p>
         </p:txBody>
       </p:sp>
@@ -6370,7 +6370,7 @@
               </a:spcAft>
             </a:pPr>
             <a:r>
-              <a:rPr lang="fr-FR" sz="1100">
+              <a:rPr lang="fr-FR" sz="1100" dirty="0">
                 <a:effectLst/>
                 <a:ea typeface="Times New Roman" panose="02020603050405020304" pitchFamily="18" charset="0"/>
                 <a:cs typeface="Times New Roman" panose="02020603050405020304" pitchFamily="18" charset="0"/>
@@ -6423,12 +6423,8 @@
           <a:p>
             <a:pPr algn="ctr"/>
             <a:r>
-              <a:rPr lang="fr-FR" dirty="0" err="1"/>
-              <a:t>Mensions</a:t>
-            </a:r>
-            <a:r>
               <a:rPr lang="fr-FR" dirty="0"/>
-              <a:t> Légales</a:t>
+              <a:t>Mentions Légales</a:t>
             </a:r>
           </a:p>
         </p:txBody>
@@ -6493,18 +6489,13 @@
               </a:spcAft>
             </a:pPr>
             <a:r>
-              <a:rPr lang="fr-FR" sz="1100">
+              <a:rPr lang="fr-FR" sz="1100" dirty="0">
                 <a:effectLst/>
                 <a:ea typeface="Times New Roman" panose="02020603050405020304" pitchFamily="18" charset="0"/>
                 <a:cs typeface="Times New Roman" panose="02020603050405020304" pitchFamily="18" charset="0"/>
               </a:rPr>
               <a:t>Mentions Légales</a:t>
             </a:r>
-            <a:endParaRPr lang="fr-FR" sz="1100" dirty="0">
-              <a:effectLst/>
-              <a:ea typeface="Times New Roman" panose="02020603050405020304" pitchFamily="18" charset="0"/>
-              <a:cs typeface="Times New Roman" panose="02020603050405020304" pitchFamily="18" charset="0"/>
-            </a:endParaRPr>
           </a:p>
         </p:txBody>
       </p:sp>
@@ -6597,12 +6588,18 @@
           <a:p>
             <a:r>
               <a:rPr lang="fr-FR" dirty="0">
+                <a:solidFill>
+                  <a:schemeClr val="bg1"/>
+                </a:solidFill>
                 <a:effectLst/>
                 <a:latin typeface="Arial Black" panose="020B0A04020102020204" pitchFamily="34" charset="0"/>
               </a:rPr>
               <a:t>Maquettage</a:t>
             </a:r>
             <a:endParaRPr lang="fr-FR" sz="6600" dirty="0">
+              <a:solidFill>
+                <a:schemeClr val="bg1"/>
+              </a:solidFill>
               <a:latin typeface="Arial Black" panose="020B0A04020102020204" pitchFamily="34" charset="0"/>
             </a:endParaRPr>
           </a:p>
@@ -6639,11 +6636,14 @@
             <a:pPr algn="just"/>
             <a:r>
               <a:rPr lang="fr-FR" dirty="0">
+                <a:solidFill>
+                  <a:schemeClr val="bg1"/>
+                </a:solidFill>
                 <a:effectLst/>
                 <a:latin typeface="Times New Roman" panose="02020603050405020304" pitchFamily="18" charset="0"/>
                 <a:cs typeface="Times New Roman" panose="02020603050405020304" pitchFamily="18" charset="0"/>
               </a:rPr>
-              <a:t>Voici le maquettage du site de type zoning</a:t>
+              <a:t>Voici le maquettage du site de type zoning.</a:t>
             </a:r>
           </a:p>
           <a:p>
@@ -7217,7 +7217,7 @@
           <a:lstStyle/>
           <a:p>
             <a:pPr algn="ctr"/>
-            <a:endParaRPr lang="fr-FR"/>
+            <a:endParaRPr lang="fr-FR" dirty="0"/>
           </a:p>
         </p:txBody>
       </p:sp>
@@ -7266,7 +7266,7 @@
           <a:lstStyle/>
           <a:p>
             <a:pPr algn="ctr"/>
-            <a:endParaRPr lang="fr-FR"/>
+            <a:endParaRPr lang="fr-FR" dirty="0"/>
           </a:p>
         </p:txBody>
       </p:sp>
@@ -7384,7 +7384,7 @@
           </a:bodyPr>
           <a:lstStyle/>
           <a:p>
-            <a:endParaRPr lang="fr-FR"/>
+            <a:endParaRPr lang="fr-FR" dirty="0"/>
           </a:p>
         </p:txBody>
       </p:sp>
@@ -7448,7 +7448,7 @@
               </a:spcAft>
             </a:pPr>
             <a:r>
-              <a:rPr lang="fr-FR" sz="1100">
+              <a:rPr lang="fr-FR" sz="1100" dirty="0">
                 <a:effectLst/>
                 <a:ea typeface="Times New Roman" panose="02020603050405020304" pitchFamily="18" charset="0"/>
                 <a:cs typeface="Times New Roman" panose="02020603050405020304" pitchFamily="18" charset="0"/>
@@ -7466,7 +7466,7 @@
               </a:spcAft>
             </a:pPr>
             <a:r>
-              <a:rPr lang="fr-FR" sz="1100">
+              <a:rPr lang="fr-FR" sz="1100" dirty="0">
                 <a:effectLst/>
                 <a:ea typeface="Times New Roman" panose="02020603050405020304" pitchFamily="18" charset="0"/>
                 <a:cs typeface="Times New Roman" panose="02020603050405020304" pitchFamily="18" charset="0"/>
@@ -7484,7 +7484,7 @@
               </a:spcAft>
             </a:pPr>
             <a:r>
-              <a:rPr lang="fr-FR" sz="1100">
+              <a:rPr lang="fr-FR" sz="1100" dirty="0">
                 <a:effectLst/>
                 <a:ea typeface="Times New Roman" panose="02020603050405020304" pitchFamily="18" charset="0"/>
                 <a:cs typeface="Times New Roman" panose="02020603050405020304" pitchFamily="18" charset="0"/>
@@ -7557,7 +7557,7 @@
               </a:spcAft>
             </a:pPr>
             <a:r>
-              <a:rPr lang="fr-FR" sz="1100">
+              <a:rPr lang="fr-FR" sz="1100" dirty="0">
                 <a:effectLst/>
                 <a:ea typeface="Times New Roman" panose="02020603050405020304" pitchFamily="18" charset="0"/>
                 <a:cs typeface="Times New Roman" panose="02020603050405020304" pitchFamily="18" charset="0"/>
@@ -7815,7 +7815,7 @@
           <a:lstStyle/>
           <a:p>
             <a:pPr algn="ctr"/>
-            <a:endParaRPr lang="fr-FR"/>
+            <a:endParaRPr lang="fr-FR" dirty="0"/>
           </a:p>
         </p:txBody>
       </p:sp>
@@ -8161,7 +8161,7 @@
           <a:lstStyle/>
           <a:p>
             <a:pPr algn="ctr"/>
-            <a:endParaRPr lang="fr-FR"/>
+            <a:endParaRPr lang="fr-FR" dirty="0"/>
           </a:p>
         </p:txBody>
       </p:sp>
@@ -8207,7 +8207,7 @@
           <a:lstStyle/>
           <a:p>
             <a:pPr algn="ctr"/>
-            <a:endParaRPr lang="fr-FR"/>
+            <a:endParaRPr lang="fr-FR" dirty="0"/>
           </a:p>
         </p:txBody>
       </p:sp>
@@ -8361,7 +8361,7 @@
           </a:bodyPr>
           <a:lstStyle/>
           <a:p>
-            <a:endParaRPr lang="fr-FR"/>
+            <a:endParaRPr lang="fr-FR" dirty="0"/>
           </a:p>
         </p:txBody>
       </p:sp>
@@ -8534,7 +8534,7 @@
               </a:spcAft>
             </a:pPr>
             <a:r>
-              <a:rPr lang="fr-FR" sz="1100">
+              <a:rPr lang="fr-FR" sz="1100" dirty="0">
                 <a:effectLst/>
                 <a:ea typeface="Times New Roman" panose="02020603050405020304" pitchFamily="18" charset="0"/>
                 <a:cs typeface="Times New Roman" panose="02020603050405020304" pitchFamily="18" charset="0"/>
@@ -8637,7 +8637,7 @@
           <a:lstStyle/>
           <a:p>
             <a:pPr algn="ctr"/>
-            <a:endParaRPr lang="fr-FR"/>
+            <a:endParaRPr lang="fr-FR" dirty="0"/>
           </a:p>
         </p:txBody>
       </p:sp>
@@ -8686,7 +8686,7 @@
           <a:lstStyle/>
           <a:p>
             <a:pPr algn="ctr"/>
-            <a:endParaRPr lang="fr-FR"/>
+            <a:endParaRPr lang="fr-FR" dirty="0"/>
           </a:p>
         </p:txBody>
       </p:sp>
@@ -8735,7 +8735,7 @@
           <a:lstStyle/>
           <a:p>
             <a:pPr algn="ctr"/>
-            <a:endParaRPr lang="fr-FR"/>
+            <a:endParaRPr lang="fr-FR" dirty="0"/>
           </a:p>
         </p:txBody>
       </p:sp>
@@ -9128,7 +9128,7 @@
           <a:lstStyle/>
           <a:p>
             <a:pPr algn="ctr"/>
-            <a:endParaRPr lang="fr-FR"/>
+            <a:endParaRPr lang="fr-FR" dirty="0"/>
           </a:p>
         </p:txBody>
       </p:sp>
@@ -9174,7 +9174,7 @@
           <a:lstStyle/>
           <a:p>
             <a:pPr algn="ctr"/>
-            <a:endParaRPr lang="fr-FR"/>
+            <a:endParaRPr lang="fr-FR" dirty="0"/>
           </a:p>
         </p:txBody>
       </p:sp>
@@ -9328,7 +9328,7 @@
           </a:bodyPr>
           <a:lstStyle/>
           <a:p>
-            <a:endParaRPr lang="fr-FR"/>
+            <a:endParaRPr lang="fr-FR" dirty="0"/>
           </a:p>
         </p:txBody>
       </p:sp>
@@ -9392,7 +9392,7 @@
               </a:spcAft>
             </a:pPr>
             <a:r>
-              <a:rPr lang="fr-FR" sz="1100">
+              <a:rPr lang="fr-FR" sz="1100" dirty="0">
                 <a:effectLst/>
                 <a:ea typeface="Times New Roman" panose="02020603050405020304" pitchFamily="18" charset="0"/>
                 <a:cs typeface="Times New Roman" panose="02020603050405020304" pitchFamily="18" charset="0"/>
@@ -9410,7 +9410,7 @@
               </a:spcAft>
             </a:pPr>
             <a:r>
-              <a:rPr lang="fr-FR" sz="1100">
+              <a:rPr lang="fr-FR" sz="1100" dirty="0">
                 <a:effectLst/>
                 <a:ea typeface="Times New Roman" panose="02020603050405020304" pitchFamily="18" charset="0"/>
                 <a:cs typeface="Times New Roman" panose="02020603050405020304" pitchFamily="18" charset="0"/>
@@ -9428,7 +9428,7 @@
               </a:spcAft>
             </a:pPr>
             <a:r>
-              <a:rPr lang="fr-FR" sz="1100">
+              <a:rPr lang="fr-FR" sz="1100" dirty="0">
                 <a:effectLst/>
                 <a:ea typeface="Times New Roman" panose="02020603050405020304" pitchFamily="18" charset="0"/>
                 <a:cs typeface="Times New Roman" panose="02020603050405020304" pitchFamily="18" charset="0"/>
@@ -9501,7 +9501,7 @@
               </a:spcAft>
             </a:pPr>
             <a:r>
-              <a:rPr lang="fr-FR" sz="1100">
+              <a:rPr lang="fr-FR" sz="1100" dirty="0">
                 <a:effectLst/>
                 <a:ea typeface="Times New Roman" panose="02020603050405020304" pitchFamily="18" charset="0"/>
                 <a:cs typeface="Times New Roman" panose="02020603050405020304" pitchFamily="18" charset="0"/>
@@ -9556,7 +9556,7 @@
           <a:lstStyle/>
           <a:p>
             <a:pPr algn="ctr"/>
-            <a:endParaRPr lang="fr-FR"/>
+            <a:endParaRPr lang="fr-FR" dirty="0"/>
           </a:p>
         </p:txBody>
       </p:sp>
@@ -9910,7 +9910,7 @@
           <a:lstStyle/>
           <a:p>
             <a:pPr algn="ctr"/>
-            <a:endParaRPr lang="fr-FR"/>
+            <a:endParaRPr lang="fr-FR" dirty="0"/>
           </a:p>
         </p:txBody>
       </p:sp>
@@ -9956,7 +9956,7 @@
           <a:lstStyle/>
           <a:p>
             <a:pPr algn="ctr"/>
-            <a:endParaRPr lang="fr-FR"/>
+            <a:endParaRPr lang="fr-FR" dirty="0"/>
           </a:p>
         </p:txBody>
       </p:sp>
@@ -10110,7 +10110,7 @@
           </a:bodyPr>
           <a:lstStyle/>
           <a:p>
-            <a:endParaRPr lang="fr-FR"/>
+            <a:endParaRPr lang="fr-FR" dirty="0"/>
           </a:p>
         </p:txBody>
       </p:sp>
@@ -10283,7 +10283,7 @@
               </a:spcAft>
             </a:pPr>
             <a:r>
-              <a:rPr lang="fr-FR" sz="1100">
+              <a:rPr lang="fr-FR" sz="1100" dirty="0">
                 <a:effectLst/>
                 <a:ea typeface="Times New Roman" panose="02020603050405020304" pitchFamily="18" charset="0"/>
                 <a:cs typeface="Times New Roman" panose="02020603050405020304" pitchFamily="18" charset="0"/>
@@ -10386,7 +10386,7 @@
           <a:lstStyle/>
           <a:p>
             <a:pPr algn="ctr"/>
-            <a:endParaRPr lang="fr-FR"/>
+            <a:endParaRPr lang="fr-FR" dirty="0"/>
           </a:p>
         </p:txBody>
       </p:sp>
@@ -10435,7 +10435,7 @@
           <a:lstStyle/>
           <a:p>
             <a:pPr algn="ctr"/>
-            <a:endParaRPr lang="fr-FR"/>
+            <a:endParaRPr lang="fr-FR" dirty="0"/>
           </a:p>
         </p:txBody>
       </p:sp>
@@ -10484,7 +10484,7 @@
           <a:lstStyle/>
           <a:p>
             <a:pPr algn="ctr"/>
-            <a:endParaRPr lang="fr-FR"/>
+            <a:endParaRPr lang="fr-FR" dirty="0"/>
           </a:p>
         </p:txBody>
       </p:sp>
@@ -10829,7 +10829,7 @@
           <a:lstStyle/>
           <a:p>
             <a:pPr algn="ctr"/>
-            <a:endParaRPr lang="fr-FR"/>
+            <a:endParaRPr lang="fr-FR" dirty="0"/>
           </a:p>
         </p:txBody>
       </p:sp>
@@ -10875,7 +10875,7 @@
           <a:lstStyle/>
           <a:p>
             <a:pPr algn="ctr"/>
-            <a:endParaRPr lang="fr-FR"/>
+            <a:endParaRPr lang="fr-FR" dirty="0"/>
           </a:p>
         </p:txBody>
       </p:sp>
@@ -11029,7 +11029,7 @@
           </a:bodyPr>
           <a:lstStyle/>
           <a:p>
-            <a:endParaRPr lang="fr-FR"/>
+            <a:endParaRPr lang="fr-FR" dirty="0"/>
           </a:p>
         </p:txBody>
       </p:sp>
@@ -11202,7 +11202,7 @@
               </a:spcAft>
             </a:pPr>
             <a:r>
-              <a:rPr lang="fr-FR" sz="1100">
+              <a:rPr lang="fr-FR" sz="1100" dirty="0">
                 <a:effectLst/>
                 <a:ea typeface="Times New Roman" panose="02020603050405020304" pitchFamily="18" charset="0"/>
                 <a:cs typeface="Times New Roman" panose="02020603050405020304" pitchFamily="18" charset="0"/>
@@ -11305,7 +11305,7 @@
           <a:lstStyle/>
           <a:p>
             <a:pPr algn="ctr"/>
-            <a:endParaRPr lang="fr-FR"/>
+            <a:endParaRPr lang="fr-FR" dirty="0"/>
           </a:p>
         </p:txBody>
       </p:sp>
@@ -11817,7 +11817,7 @@
           <a:lstStyle/>
           <a:p>
             <a:pPr algn="ctr"/>
-            <a:endParaRPr lang="fr-FR"/>
+            <a:endParaRPr lang="fr-FR" dirty="0"/>
           </a:p>
         </p:txBody>
       </p:sp>
@@ -11980,7 +11980,7 @@
           <a:lstStyle/>
           <a:p>
             <a:pPr algn="ctr"/>
-            <a:endParaRPr lang="fr-FR"/>
+            <a:endParaRPr lang="fr-FR" dirty="0"/>
           </a:p>
         </p:txBody>
       </p:sp>
@@ -12085,7 +12085,7 @@
           <a:lstStyle/>
           <a:p>
             <a:pPr algn="ctr"/>
-            <a:endParaRPr lang="fr-FR"/>
+            <a:endParaRPr lang="fr-FR" dirty="0"/>
           </a:p>
         </p:txBody>
       </p:sp>
@@ -12134,7 +12134,7 @@
           <a:lstStyle/>
           <a:p>
             <a:pPr algn="ctr"/>
-            <a:endParaRPr lang="fr-FR"/>
+            <a:endParaRPr lang="fr-FR" dirty="0"/>
           </a:p>
         </p:txBody>
       </p:sp>
@@ -12183,7 +12183,7 @@
           <a:lstStyle/>
           <a:p>
             <a:pPr algn="ctr"/>
-            <a:endParaRPr lang="fr-FR"/>
+            <a:endParaRPr lang="fr-FR" dirty="0"/>
           </a:p>
         </p:txBody>
       </p:sp>
@@ -12232,7 +12232,7 @@
           <a:lstStyle/>
           <a:p>
             <a:pPr algn="ctr"/>
-            <a:endParaRPr lang="fr-FR"/>
+            <a:endParaRPr lang="fr-FR" dirty="0"/>
           </a:p>
         </p:txBody>
       </p:sp>
@@ -12278,7 +12278,7 @@
           <a:lstStyle/>
           <a:p>
             <a:pPr algn="ctr"/>
-            <a:endParaRPr lang="fr-FR"/>
+            <a:endParaRPr lang="fr-FR" dirty="0"/>
           </a:p>
         </p:txBody>
       </p:sp>
